--- a/201795038_문일윤.pptx
+++ b/201795038_문일윤.pptx
@@ -3170,8 +3170,8 @@
         </p:blipFill>
         <p:spPr>
           <a:xfrm rot="0">
-            <a:off x="13919200" y="546100"/>
-            <a:ext cx="2349500" cy="1117600"/>
+            <a:off x="13919200" y="863600"/>
+            <a:ext cx="2349500" cy="647700"/>
           </a:xfrm>
           <a:prstGeom prst="rect">
             <a:avLst/>
@@ -3194,8 +3194,8 @@
         </p:blipFill>
         <p:spPr>
           <a:xfrm rot="0">
-            <a:off x="1676400" y="6210300"/>
-            <a:ext cx="3657600" cy="1028700"/>
+            <a:off x="1701800" y="5791200"/>
+            <a:ext cx="7810500" cy="2438400"/>
           </a:xfrm>
           <a:prstGeom prst="rect">
             <a:avLst/>
@@ -3226,9 +3226,22 @@
           </a:prstGeom>
         </p:spPr>
       </p:pic>
-      <p:pic>
-        <p:nvPicPr>
-          <p:cNvPr name="Picture 8" id="8"/>
+      <p:grpSp>
+        <p:nvGrpSpPr>
+          <p:cNvPr name="Group 8" id="8"/>
+          <p:cNvGrpSpPr/>
+          <p:nvPr/>
+        </p:nvGrpSpPr>
+        <p:grpSpPr>
+          <a:xfrm>
+            <a:off x="2147483647" y="2147483647"/>
+            <a:ext cx="2147483647" cy="2147483647"/>
+          </a:xfrm>
+        </p:grpSpPr>
+      </p:grpSp>
+      <p:pic>
+        <p:nvPicPr>
+          <p:cNvPr name="Picture 9" id="9"/>
           <p:cNvPicPr>
             <a:picLocks noChangeAspect="true"/>
           </p:cNvPicPr>
@@ -3236,6 +3249,30 @@
         </p:nvPicPr>
         <p:blipFill>
           <a:blip r:embed="rId8"/>
+          <a:stretch>
+            <a:fillRect/>
+          </a:stretch>
+        </p:blipFill>
+        <p:spPr>
+          <a:xfrm rot="0">
+            <a:off x="1816100" y="6807200"/>
+            <a:ext cx="495300" cy="495300"/>
+          </a:xfrm>
+          <a:prstGeom prst="rect">
+            <a:avLst/>
+          </a:prstGeom>
+        </p:spPr>
+      </p:pic>
+      <p:pic>
+        <p:nvPicPr>
+          <p:cNvPr name="Picture 10" id="10"/>
+          <p:cNvPicPr>
+            <a:picLocks noChangeAspect="true"/>
+          </p:cNvPicPr>
+          <p:nvPr/>
+        </p:nvPicPr>
+        <p:blipFill>
+          <a:blip r:embed="rId9"/>
           <a:stretch>
             <a:fillRect/>
           </a:stretch>
